--- a/Week13/Final.pptx
+++ b/Week13/Final.pptx
@@ -6513,7 +6513,7 @@
         <p:spPr>
           <a:xfrm>
             <a:off x="1062182" y="3870036"/>
-            <a:ext cx="7675418" cy="646331"/>
+            <a:ext cx="7675418" cy="1477328"/>
           </a:xfrm>
           <a:prstGeom prst="rect">
             <a:avLst/>
@@ -6528,9 +6528,23 @@
           <a:p>
             <a:r>
               <a:rPr lang="en-US" dirty="0"/>
-              <a:t>Justification: They are the most accurate techniques and best predictors of drug non persistency, which is a safer error to make than the contrary </a:t>
-            </a:r>
-            <a:endParaRPr lang="en-AE" dirty="0"/>
+              <a:t>Justification: They are the most accurate techniques and best predictors of drug non persistency, which is a safer error to make than the contrary.</a:t>
+            </a:r>
+          </a:p>
+          <a:p>
+            <a:endParaRPr lang="en-US" dirty="0"/>
+          </a:p>
+          <a:p>
+            <a:r>
+              <a:rPr lang="en-US" dirty="0">
+                <a:hlinkClick r:id="rId3"/>
+              </a:rPr>
+              <a:t>Link of code</a:t>
+            </a:r>
+            <a:endParaRPr lang="en-US" dirty="0"/>
+          </a:p>
+          <a:p>
+            <a:endParaRPr lang="en-US" dirty="0"/>
           </a:p>
         </p:txBody>
       </p:sp>
